--- a/diagrams/diag1_simulation.pptx
+++ b/diagrams/diag1_simulation.pptx
@@ -6115,8 +6115,8 @@
           </a:p>
         </p:txBody>
       </p:sp>
-      <mc:AlternateContent xmlns:mc="http://schemas.openxmlformats.org/markup-compatibility/2006" xmlns:a14="http://schemas.microsoft.com/office/drawing/2010/main">
-        <mc:Choice Requires="a14">
+      <mc:AlternateContent xmlns:mc="http://schemas.openxmlformats.org/markup-compatibility/2006">
+        <mc:Choice xmlns:a14="http://schemas.microsoft.com/office/drawing/2010/main" Requires="a14">
           <p:sp>
             <p:nvSpPr>
               <p:cNvPr id="60" name="Google Shape;60;p14"/>
@@ -6177,7 +6177,7 @@
             </p:txBody>
           </p:sp>
         </mc:Choice>
-        <mc:Fallback xmlns="">
+        <mc:Fallback>
           <p:sp>
             <p:nvSpPr>
               <p:cNvPr id="60" name="Google Shape;60;p14"/>
@@ -6219,8 +6219,8 @@
           </p:sp>
         </mc:Fallback>
       </mc:AlternateContent>
-      <mc:AlternateContent xmlns:mc="http://schemas.openxmlformats.org/markup-compatibility/2006" xmlns:a14="http://schemas.microsoft.com/office/drawing/2010/main">
-        <mc:Choice Requires="a14">
+      <mc:AlternateContent xmlns:mc="http://schemas.openxmlformats.org/markup-compatibility/2006">
+        <mc:Choice xmlns:a14="http://schemas.microsoft.com/office/drawing/2010/main" Requires="a14">
           <p:graphicFrame>
             <p:nvGraphicFramePr>
               <p:cNvPr id="61" name="Google Shape;61;p14"/>
@@ -6228,7 +6228,7 @@
               <p:nvPr>
                 <p:extLst>
                   <p:ext uri="{D42A27DB-BD31-4B8C-83A1-F6EECF244321}">
-                    <p14:modId xmlns:p14="http://schemas.microsoft.com/office/powerpoint/2010/main" val="4230790800"/>
+                    <p14:modId xmlns:p14="http://schemas.microsoft.com/office/powerpoint/2010/main" val="407524023"/>
                   </p:ext>
                 </p:extLst>
               </p:nvPr>
@@ -6788,7 +6788,7 @@
             </a:graphic>
           </p:graphicFrame>
         </mc:Choice>
-        <mc:Fallback xmlns="">
+        <mc:Fallback>
           <p:graphicFrame>
             <p:nvGraphicFramePr>
               <p:cNvPr id="61" name="Google Shape;61;p14"/>
@@ -6796,7 +6796,7 @@
               <p:nvPr>
                 <p:extLst>
                   <p:ext uri="{D42A27DB-BD31-4B8C-83A1-F6EECF244321}">
-                    <p14:modId xmlns:p14="http://schemas.microsoft.com/office/powerpoint/2010/main" val="4230790800"/>
+                    <p14:modId xmlns:p14="http://schemas.microsoft.com/office/powerpoint/2010/main" val="407524023"/>
                   </p:ext>
                 </p:extLst>
               </p:nvPr>
@@ -7026,8 +7026,8 @@
           </p:graphicFrame>
         </mc:Fallback>
       </mc:AlternateContent>
-      <mc:AlternateContent xmlns:mc="http://schemas.openxmlformats.org/markup-compatibility/2006" xmlns:a14="http://schemas.microsoft.com/office/drawing/2010/main">
-        <mc:Choice Requires="a14">
+      <mc:AlternateContent xmlns:mc="http://schemas.openxmlformats.org/markup-compatibility/2006">
+        <mc:Choice xmlns:a14="http://schemas.microsoft.com/office/drawing/2010/main" Requires="a14">
           <p:sp>
             <p:nvSpPr>
               <p:cNvPr id="64" name="Google Shape;64;p14"/>
@@ -7088,7 +7088,7 @@
             </p:txBody>
           </p:sp>
         </mc:Choice>
-        <mc:Fallback xmlns="">
+        <mc:Fallback>
           <p:sp>
             <p:nvSpPr>
               <p:cNvPr id="64" name="Google Shape;64;p14"/>
@@ -7404,8 +7404,8 @@
           </p:sp>
         </mc:Fallback>
       </mc:AlternateContent>
-      <mc:AlternateContent xmlns:mc="http://schemas.openxmlformats.org/markup-compatibility/2006" xmlns:a14="http://schemas.microsoft.com/office/drawing/2010/main">
-        <mc:Choice Requires="a14">
+      <mc:AlternateContent xmlns:mc="http://schemas.openxmlformats.org/markup-compatibility/2006">
+        <mc:Choice xmlns:a14="http://schemas.microsoft.com/office/drawing/2010/main" Requires="a14">
           <p:sp>
             <p:nvSpPr>
               <p:cNvPr id="72" name="Google Shape;72;p14"/>
@@ -7488,7 +7488,7 @@
             </p:txBody>
           </p:sp>
         </mc:Choice>
-        <mc:Fallback xmlns="">
+        <mc:Fallback>
           <p:sp>
             <p:nvSpPr>
               <p:cNvPr id="72" name="Google Shape;72;p14"/>
@@ -7530,8 +7530,8 @@
           </p:sp>
         </mc:Fallback>
       </mc:AlternateContent>
-      <mc:AlternateContent xmlns:mc="http://schemas.openxmlformats.org/markup-compatibility/2006" xmlns:a14="http://schemas.microsoft.com/office/drawing/2010/main">
-        <mc:Choice Requires="a14">
+      <mc:AlternateContent xmlns:mc="http://schemas.openxmlformats.org/markup-compatibility/2006">
+        <mc:Choice xmlns:a14="http://schemas.microsoft.com/office/drawing/2010/main" Requires="a14">
           <p:sp>
             <p:nvSpPr>
               <p:cNvPr id="73" name="Google Shape;73;p14"/>
@@ -7614,7 +7614,7 @@
             </p:txBody>
           </p:sp>
         </mc:Choice>
-        <mc:Fallback xmlns="">
+        <mc:Fallback>
           <p:sp>
             <p:nvSpPr>
               <p:cNvPr id="73" name="Google Shape;73;p14"/>
@@ -7656,8 +7656,8 @@
           </p:sp>
         </mc:Fallback>
       </mc:AlternateContent>
-      <mc:AlternateContent xmlns:mc="http://schemas.openxmlformats.org/markup-compatibility/2006" xmlns:a14="http://schemas.microsoft.com/office/drawing/2010/main">
-        <mc:Choice Requires="a14">
+      <mc:AlternateContent xmlns:mc="http://schemas.openxmlformats.org/markup-compatibility/2006">
+        <mc:Choice xmlns:a14="http://schemas.microsoft.com/office/drawing/2010/main" Requires="a14">
           <p:sp>
             <p:nvSpPr>
               <p:cNvPr id="74" name="Google Shape;74;p14"/>
@@ -7798,7 +7798,7 @@
             </p:txBody>
           </p:sp>
         </mc:Choice>
-        <mc:Fallback xmlns="">
+        <mc:Fallback>
           <p:sp>
             <p:nvSpPr>
               <p:cNvPr id="74" name="Google Shape;74;p14"/>
@@ -7840,8 +7840,8 @@
           </p:sp>
         </mc:Fallback>
       </mc:AlternateContent>
-      <mc:AlternateContent xmlns:mc="http://schemas.openxmlformats.org/markup-compatibility/2006" xmlns:a14="http://schemas.microsoft.com/office/drawing/2010/main">
-        <mc:Choice Requires="a14">
+      <mc:AlternateContent xmlns:mc="http://schemas.openxmlformats.org/markup-compatibility/2006">
+        <mc:Choice xmlns:a14="http://schemas.microsoft.com/office/drawing/2010/main" Requires="a14">
           <p:sp>
             <p:nvSpPr>
               <p:cNvPr id="75" name="Google Shape;75;p14"/>
@@ -7973,7 +7973,7 @@
             </p:txBody>
           </p:sp>
         </mc:Choice>
-        <mc:Fallback xmlns="">
+        <mc:Fallback>
           <p:sp>
             <p:nvSpPr>
               <p:cNvPr id="75" name="Google Shape;75;p14"/>
@@ -8074,7 +8074,9 @@
       <p:cxnSp>
         <p:nvCxnSpPr>
           <p:cNvPr id="79" name="Google Shape;79;p14"/>
-          <p:cNvCxnSpPr/>
+          <p:cNvCxnSpPr>
+            <a:cxnSpLocks/>
+          </p:cNvCxnSpPr>
           <p:nvPr/>
         </p:nvCxnSpPr>
         <p:spPr>
@@ -8260,7 +8262,9 @@
       <p:cxnSp>
         <p:nvCxnSpPr>
           <p:cNvPr id="84" name="Google Shape;84;p14"/>
-          <p:cNvCxnSpPr/>
+          <p:cNvCxnSpPr>
+            <a:cxnSpLocks/>
+          </p:cNvCxnSpPr>
           <p:nvPr/>
         </p:nvCxnSpPr>
         <p:spPr>
@@ -8288,7 +8292,9 @@
       <p:cxnSp>
         <p:nvCxnSpPr>
           <p:cNvPr id="85" name="Google Shape;85;p14"/>
-          <p:cNvCxnSpPr/>
+          <p:cNvCxnSpPr>
+            <a:cxnSpLocks/>
+          </p:cNvCxnSpPr>
           <p:nvPr/>
         </p:nvCxnSpPr>
         <p:spPr>
@@ -8316,7 +8322,9 @@
       <p:cxnSp>
         <p:nvCxnSpPr>
           <p:cNvPr id="86" name="Google Shape;86;p14"/>
-          <p:cNvCxnSpPr/>
+          <p:cNvCxnSpPr>
+            <a:cxnSpLocks/>
+          </p:cNvCxnSpPr>
           <p:nvPr/>
         </p:nvCxnSpPr>
         <p:spPr>
@@ -8339,8 +8347,8 @@
           </a:ln>
         </p:spPr>
       </p:cxnSp>
-      <mc:AlternateContent xmlns:mc="http://schemas.openxmlformats.org/markup-compatibility/2006" xmlns:a14="http://schemas.microsoft.com/office/drawing/2010/main">
-        <mc:Choice Requires="a14">
+      <mc:AlternateContent xmlns:mc="http://schemas.openxmlformats.org/markup-compatibility/2006">
+        <mc:Choice xmlns:a14="http://schemas.microsoft.com/office/drawing/2010/main" Requires="a14">
           <p:graphicFrame>
             <p:nvGraphicFramePr>
               <p:cNvPr id="87" name="Google Shape;87;p14"/>
@@ -8348,7 +8356,7 @@
               <p:nvPr>
                 <p:extLst>
                   <p:ext uri="{D42A27DB-BD31-4B8C-83A1-F6EECF244321}">
-                    <p14:modId xmlns:p14="http://schemas.microsoft.com/office/powerpoint/2010/main" val="2761133702"/>
+                    <p14:modId xmlns:p14="http://schemas.microsoft.com/office/powerpoint/2010/main" val="3881472342"/>
                   </p:ext>
                 </p:extLst>
               </p:nvPr>
@@ -8548,7 +8556,7 @@
             </a:graphic>
           </p:graphicFrame>
         </mc:Choice>
-        <mc:Fallback xmlns="">
+        <mc:Fallback>
           <p:graphicFrame>
             <p:nvGraphicFramePr>
               <p:cNvPr id="87" name="Google Shape;87;p14"/>
@@ -8556,7 +8564,7 @@
               <p:nvPr>
                 <p:extLst>
                   <p:ext uri="{D42A27DB-BD31-4B8C-83A1-F6EECF244321}">
-                    <p14:modId xmlns:p14="http://schemas.microsoft.com/office/powerpoint/2010/main" val="2761133702"/>
+                    <p14:modId xmlns:p14="http://schemas.microsoft.com/office/powerpoint/2010/main" val="3881472342"/>
                   </p:ext>
                 </p:extLst>
               </p:nvPr>
@@ -8638,7 +8646,9 @@
       <p:cxnSp>
         <p:nvCxnSpPr>
           <p:cNvPr id="88" name="Google Shape;88;p14"/>
-          <p:cNvCxnSpPr/>
+          <p:cNvCxnSpPr>
+            <a:cxnSpLocks/>
+          </p:cNvCxnSpPr>
           <p:nvPr/>
         </p:nvCxnSpPr>
         <p:spPr>
@@ -8661,8 +8671,8 @@
           </a:ln>
         </p:spPr>
       </p:cxnSp>
-      <mc:AlternateContent xmlns:mc="http://schemas.openxmlformats.org/markup-compatibility/2006" xmlns:a14="http://schemas.microsoft.com/office/drawing/2010/main">
-        <mc:Choice Requires="a14">
+      <mc:AlternateContent xmlns:mc="http://schemas.openxmlformats.org/markup-compatibility/2006">
+        <mc:Choice xmlns:a14="http://schemas.microsoft.com/office/drawing/2010/main" Requires="a14">
           <p:graphicFrame>
             <p:nvGraphicFramePr>
               <p:cNvPr id="89" name="Google Shape;89;p14"/>
@@ -8670,7 +8680,7 @@
               <p:nvPr>
                 <p:extLst>
                   <p:ext uri="{D42A27DB-BD31-4B8C-83A1-F6EECF244321}">
-                    <p14:modId xmlns:p14="http://schemas.microsoft.com/office/powerpoint/2010/main" val="584304893"/>
+                    <p14:modId xmlns:p14="http://schemas.microsoft.com/office/powerpoint/2010/main" val="3285592258"/>
                   </p:ext>
                 </p:extLst>
               </p:nvPr>
@@ -9086,7 +9096,7 @@
             </a:graphic>
           </p:graphicFrame>
         </mc:Choice>
-        <mc:Fallback xmlns="">
+        <mc:Fallback>
           <p:graphicFrame>
             <p:nvGraphicFramePr>
               <p:cNvPr id="89" name="Google Shape;89;p14"/>
@@ -9094,7 +9104,7 @@
               <p:nvPr>
                 <p:extLst>
                   <p:ext uri="{D42A27DB-BD31-4B8C-83A1-F6EECF244321}">
-                    <p14:modId xmlns:p14="http://schemas.microsoft.com/office/powerpoint/2010/main" val="584304893"/>
+                    <p14:modId xmlns:p14="http://schemas.microsoft.com/office/powerpoint/2010/main" val="3285592258"/>
                   </p:ext>
                 </p:extLst>
               </p:nvPr>
@@ -9256,8 +9266,8 @@
           </a:p>
         </p:txBody>
       </p:sp>
-      <mc:AlternateContent xmlns:mc="http://schemas.openxmlformats.org/markup-compatibility/2006" xmlns:a14="http://schemas.microsoft.com/office/drawing/2010/main">
-        <mc:Choice Requires="a14">
+      <mc:AlternateContent xmlns:mc="http://schemas.openxmlformats.org/markup-compatibility/2006">
+        <mc:Choice xmlns:a14="http://schemas.microsoft.com/office/drawing/2010/main" Requires="a14">
           <p:graphicFrame>
             <p:nvGraphicFramePr>
               <p:cNvPr id="91" name="Google Shape;91;p14"/>
@@ -9265,7 +9275,7 @@
               <p:nvPr>
                 <p:extLst>
                   <p:ext uri="{D42A27DB-BD31-4B8C-83A1-F6EECF244321}">
-                    <p14:modId xmlns:p14="http://schemas.microsoft.com/office/powerpoint/2010/main" val="1693736777"/>
+                    <p14:modId xmlns:p14="http://schemas.microsoft.com/office/powerpoint/2010/main" val="3099489508"/>
                   </p:ext>
                 </p:extLst>
               </p:nvPr>
@@ -9443,7 +9453,7 @@
             </a:graphic>
           </p:graphicFrame>
         </mc:Choice>
-        <mc:Fallback xmlns="">
+        <mc:Fallback>
           <p:graphicFrame>
             <p:nvGraphicFramePr>
               <p:cNvPr id="91" name="Google Shape;91;p14"/>
@@ -9451,7 +9461,7 @@
               <p:nvPr>
                 <p:extLst>
                   <p:ext uri="{D42A27DB-BD31-4B8C-83A1-F6EECF244321}">
-                    <p14:modId xmlns:p14="http://schemas.microsoft.com/office/powerpoint/2010/main" val="1693736777"/>
+                    <p14:modId xmlns:p14="http://schemas.microsoft.com/office/powerpoint/2010/main" val="3099489508"/>
                   </p:ext>
                 </p:extLst>
               </p:nvPr>
@@ -9582,7 +9592,9 @@
       <p:cxnSp>
         <p:nvCxnSpPr>
           <p:cNvPr id="93" name="Google Shape;93;p14"/>
-          <p:cNvCxnSpPr/>
+          <p:cNvCxnSpPr>
+            <a:cxnSpLocks/>
+          </p:cNvCxnSpPr>
           <p:nvPr/>
         </p:nvCxnSpPr>
         <p:spPr>
@@ -9648,8 +9660,8 @@
           </a:p>
         </p:txBody>
       </p:sp>
-      <mc:AlternateContent xmlns:mc="http://schemas.openxmlformats.org/markup-compatibility/2006" xmlns:a14="http://schemas.microsoft.com/office/drawing/2010/main">
-        <mc:Choice Requires="a14">
+      <mc:AlternateContent xmlns:mc="http://schemas.openxmlformats.org/markup-compatibility/2006">
+        <mc:Choice xmlns:a14="http://schemas.microsoft.com/office/drawing/2010/main" Requires="a14">
           <p:graphicFrame>
             <p:nvGraphicFramePr>
               <p:cNvPr id="17" name="Google Shape;61;p14">
@@ -9663,7 +9675,7 @@
               <p:nvPr>
                 <p:extLst>
                   <p:ext uri="{D42A27DB-BD31-4B8C-83A1-F6EECF244321}">
-                    <p14:modId xmlns:p14="http://schemas.microsoft.com/office/powerpoint/2010/main" val="387708198"/>
+                    <p14:modId xmlns:p14="http://schemas.microsoft.com/office/powerpoint/2010/main" val="3777168396"/>
                   </p:ext>
                 </p:extLst>
               </p:nvPr>
@@ -10223,7 +10235,7 @@
             </a:graphic>
           </p:graphicFrame>
         </mc:Choice>
-        <mc:Fallback xmlns="">
+        <mc:Fallback>
           <p:graphicFrame>
             <p:nvGraphicFramePr>
               <p:cNvPr id="17" name="Google Shape;61;p14">
@@ -10237,7 +10249,7 @@
               <p:nvPr>
                 <p:extLst>
                   <p:ext uri="{D42A27DB-BD31-4B8C-83A1-F6EECF244321}">
-                    <p14:modId xmlns:p14="http://schemas.microsoft.com/office/powerpoint/2010/main" val="387708198"/>
+                    <p14:modId xmlns:p14="http://schemas.microsoft.com/office/powerpoint/2010/main" val="3777168396"/>
                   </p:ext>
                 </p:extLst>
               </p:nvPr>
